--- a/ArupPythonCourse-Introduction.pptx
+++ b/ArupPythonCourse-Introduction.pptx
@@ -1516,19 +1516,7 @@
                 <a:ea typeface="+mn-ea"/>
                 <a:cs typeface="+mn-cs"/>
               </a:rPr>
-              <a:t>Python </a:t>
-            </a:r>
-            <a:r>
-              <a:rPr lang="en-AU" sz="1200" b="0" i="0" kern="1200" dirty="0" smtClean="0">
-                <a:solidFill>
-                  <a:schemeClr val="tx1"/>
-                </a:solidFill>
-                <a:effectLst/>
-                <a:latin typeface="+mn-lt"/>
-                <a:ea typeface="+mn-ea"/>
-                <a:cs typeface="+mn-cs"/>
-              </a:rPr>
-              <a:t>is a programming</a:t>
+              <a:t>Python is a programming</a:t>
             </a:r>
             <a:r>
               <a:rPr lang="en-AU" sz="1200" b="0" i="0" kern="1200" baseline="0" dirty="0" smtClean="0">
@@ -25106,7 +25094,7 @@
         </p:nvGraphicFramePr>
         <p:xfrm>
           <a:off x="2463875" y="1036485"/>
-          <a:ext cx="7271027" cy="4807458"/>
+          <a:ext cx="7271027" cy="5349240"/>
         </p:xfrm>
         <a:graphic>
           <a:graphicData uri="http://schemas.openxmlformats.org/drawingml/2006/table">
@@ -25731,7 +25719,7 @@
             </a:pPr>
             <a:r>
               <a:rPr lang="en-AU" dirty="0" smtClean="0"/>
-              <a:t>Get yourself into a group of 8-12 people</a:t>
+              <a:t>Get yourself into a group by the end of next week</a:t>
             </a:r>
           </a:p>
           <a:p>
@@ -25928,35 +25916,8 @@
                 <a:latin typeface="Times New Roman"/>
                 <a:cs typeface="Times New Roman"/>
               </a:rPr>
-              <a:t>(Survey </a:t>
-            </a:r>
-            <a:r>
-              <a:rPr lang="en-AU" sz="2400" dirty="0">
-                <a:solidFill>
-                  <a:srgbClr val="666666"/>
-                </a:solidFill>
-                <a:latin typeface="Times New Roman"/>
-                <a:cs typeface="Times New Roman"/>
-              </a:rPr>
-              <a:t>Results on the </a:t>
-            </a:r>
-            <a:r>
-              <a:rPr lang="en-AU" sz="2400" dirty="0">
-                <a:solidFill>
-                  <a:srgbClr val="666666"/>
-                </a:solidFill>
-                <a:latin typeface="Times New Roman"/>
-                <a:cs typeface="Times New Roman"/>
-              </a:rPr>
-              <a:t>next slide)</a:t>
-            </a:r>
-            <a:endParaRPr lang="en-AU" sz="2400" dirty="0">
-              <a:solidFill>
-                <a:srgbClr val="666666"/>
-              </a:solidFill>
-              <a:latin typeface="Times New Roman"/>
-              <a:cs typeface="Times New Roman"/>
-            </a:endParaRPr>
+              <a:t>(Survey Results on the next slide)</a:t>
+            </a:r>
           </a:p>
         </p:txBody>
       </p:sp>
@@ -26079,11 +26040,7 @@
             </a:pPr>
             <a:r>
               <a:rPr lang="en-AU" dirty="0" smtClean="0"/>
-              <a:t>Attendees found the previous course a little fast and reported the main barriers to using python as not havin</a:t>
-            </a:r>
-            <a:r>
-              <a:rPr lang="en-AU" dirty="0" smtClean="0"/>
-              <a:t>g the confidence and not having enough time.</a:t>
+              <a:t>Attendees found the previous course a little fast and reported the main barriers to using python as not having the confidence and not having enough time.</a:t>
             </a:r>
           </a:p>
           <a:p>
@@ -26095,7 +26052,6 @@
               <a:rPr lang="en-AU" dirty="0" smtClean="0"/>
               <a:t>We have incorporated a lot of the comments for further support – slack channel, dedicated tutor, help desk at later sessions.</a:t>
             </a:r>
-            <a:endParaRPr lang="en-AU" dirty="0" smtClean="0"/>
           </a:p>
           <a:p>
             <a:endParaRPr lang="en-AU" dirty="0" smtClean="0"/>
@@ -26208,11 +26164,7 @@
             </a:pPr>
             <a:r>
               <a:rPr lang="en-AU" dirty="0" smtClean="0"/>
-              <a:t>What </a:t>
-            </a:r>
-            <a:r>
-              <a:rPr lang="en-AU" dirty="0" smtClean="0"/>
-              <a:t>is Python?</a:t>
+              <a:t>What is Python?</a:t>
             </a:r>
           </a:p>
           <a:p>

--- a/ArupPythonCourse-Introduction.pptx
+++ b/ArupPythonCourse-Introduction.pptx
@@ -212,7 +212,7 @@
           <a:p>
             <a:fld id="{253E8103-D14D-47F6-9D73-B4ED8318645B}" type="datetimeFigureOut">
               <a:rPr lang="en-AU" smtClean="0"/>
-              <a:t>31/05/2017</a:t>
+              <a:t>1/06/2017</a:t>
             </a:fld>
             <a:endParaRPr lang="en-AU"/>
           </a:p>
